--- a/NS_prezentácia_Kluka.pptx
+++ b/NS_prezentácia_Kluka.pptx
@@ -9,13 +9,15 @@
     <p:sldId id="257" r:id="rId3"/>
     <p:sldId id="258" r:id="rId4"/>
     <p:sldId id="259" r:id="rId5"/>
-    <p:sldId id="261" r:id="rId6"/>
-    <p:sldId id="262" r:id="rId7"/>
-    <p:sldId id="267" r:id="rId8"/>
-    <p:sldId id="264" r:id="rId9"/>
-    <p:sldId id="265" r:id="rId10"/>
-    <p:sldId id="266" r:id="rId11"/>
-    <p:sldId id="260" r:id="rId12"/>
+    <p:sldId id="269" r:id="rId6"/>
+    <p:sldId id="261" r:id="rId7"/>
+    <p:sldId id="262" r:id="rId8"/>
+    <p:sldId id="267" r:id="rId9"/>
+    <p:sldId id="264" r:id="rId10"/>
+    <p:sldId id="265" r:id="rId11"/>
+    <p:sldId id="266" r:id="rId12"/>
+    <p:sldId id="260" r:id="rId13"/>
+    <p:sldId id="268" r:id="rId14"/>
   </p:sldIdLst>
   <p:sldSz cx="12192000" cy="6858000"/>
   <p:notesSz cx="6858000" cy="9144000"/>
@@ -269,7 +271,7 @@
           <a:p>
             <a:fld id="{2C1CA7C7-84AD-4EB2-8A40-1FD395D4185B}" type="datetimeFigureOut">
               <a:rPr lang="sk-SK" smtClean="0"/>
-              <a:t>5. 5. 2021</a:t>
+              <a:t>6. 5. 2021</a:t>
             </a:fld>
             <a:endParaRPr lang="sk-SK"/>
           </a:p>
@@ -467,7 +469,7 @@
           <a:p>
             <a:fld id="{2C1CA7C7-84AD-4EB2-8A40-1FD395D4185B}" type="datetimeFigureOut">
               <a:rPr lang="sk-SK" smtClean="0"/>
-              <a:t>5. 5. 2021</a:t>
+              <a:t>6. 5. 2021</a:t>
             </a:fld>
             <a:endParaRPr lang="sk-SK"/>
           </a:p>
@@ -675,7 +677,7 @@
           <a:p>
             <a:fld id="{2C1CA7C7-84AD-4EB2-8A40-1FD395D4185B}" type="datetimeFigureOut">
               <a:rPr lang="sk-SK" smtClean="0"/>
-              <a:t>5. 5. 2021</a:t>
+              <a:t>6. 5. 2021</a:t>
             </a:fld>
             <a:endParaRPr lang="sk-SK"/>
           </a:p>
@@ -873,7 +875,7 @@
           <a:p>
             <a:fld id="{2C1CA7C7-84AD-4EB2-8A40-1FD395D4185B}" type="datetimeFigureOut">
               <a:rPr lang="sk-SK" smtClean="0"/>
-              <a:t>5. 5. 2021</a:t>
+              <a:t>6. 5. 2021</a:t>
             </a:fld>
             <a:endParaRPr lang="sk-SK"/>
           </a:p>
@@ -1148,7 +1150,7 @@
           <a:p>
             <a:fld id="{2C1CA7C7-84AD-4EB2-8A40-1FD395D4185B}" type="datetimeFigureOut">
               <a:rPr lang="sk-SK" smtClean="0"/>
-              <a:t>5. 5. 2021</a:t>
+              <a:t>6. 5. 2021</a:t>
             </a:fld>
             <a:endParaRPr lang="sk-SK"/>
           </a:p>
@@ -1413,7 +1415,7 @@
           <a:p>
             <a:fld id="{2C1CA7C7-84AD-4EB2-8A40-1FD395D4185B}" type="datetimeFigureOut">
               <a:rPr lang="sk-SK" smtClean="0"/>
-              <a:t>5. 5. 2021</a:t>
+              <a:t>6. 5. 2021</a:t>
             </a:fld>
             <a:endParaRPr lang="sk-SK"/>
           </a:p>
@@ -1825,7 +1827,7 @@
           <a:p>
             <a:fld id="{2C1CA7C7-84AD-4EB2-8A40-1FD395D4185B}" type="datetimeFigureOut">
               <a:rPr lang="sk-SK" smtClean="0"/>
-              <a:t>5. 5. 2021</a:t>
+              <a:t>6. 5. 2021</a:t>
             </a:fld>
             <a:endParaRPr lang="sk-SK"/>
           </a:p>
@@ -1966,7 +1968,7 @@
           <a:p>
             <a:fld id="{2C1CA7C7-84AD-4EB2-8A40-1FD395D4185B}" type="datetimeFigureOut">
               <a:rPr lang="sk-SK" smtClean="0"/>
-              <a:t>5. 5. 2021</a:t>
+              <a:t>6. 5. 2021</a:t>
             </a:fld>
             <a:endParaRPr lang="sk-SK"/>
           </a:p>
@@ -2079,7 +2081,7 @@
           <a:p>
             <a:fld id="{2C1CA7C7-84AD-4EB2-8A40-1FD395D4185B}" type="datetimeFigureOut">
               <a:rPr lang="sk-SK" smtClean="0"/>
-              <a:t>5. 5. 2021</a:t>
+              <a:t>6. 5. 2021</a:t>
             </a:fld>
             <a:endParaRPr lang="sk-SK"/>
           </a:p>
@@ -2390,7 +2392,7 @@
           <a:p>
             <a:fld id="{2C1CA7C7-84AD-4EB2-8A40-1FD395D4185B}" type="datetimeFigureOut">
               <a:rPr lang="sk-SK" smtClean="0"/>
-              <a:t>5. 5. 2021</a:t>
+              <a:t>6. 5. 2021</a:t>
             </a:fld>
             <a:endParaRPr lang="sk-SK"/>
           </a:p>
@@ -2678,7 +2680,7 @@
           <a:p>
             <a:fld id="{2C1CA7C7-84AD-4EB2-8A40-1FD395D4185B}" type="datetimeFigureOut">
               <a:rPr lang="sk-SK" smtClean="0"/>
-              <a:t>5. 5. 2021</a:t>
+              <a:t>6. 5. 2021</a:t>
             </a:fld>
             <a:endParaRPr lang="sk-SK"/>
           </a:p>
@@ -2919,7 +2921,7 @@
           <a:p>
             <a:fld id="{2C1CA7C7-84AD-4EB2-8A40-1FD395D4185B}" type="datetimeFigureOut">
               <a:rPr lang="sk-SK" smtClean="0"/>
-              <a:t>5. 5. 2021</a:t>
+              <a:t>6. 5. 2021</a:t>
             </a:fld>
             <a:endParaRPr lang="sk-SK"/>
           </a:p>
@@ -4317,7 +4319,7 @@
           <p:cNvPr id="2" name="Nadpis 1">
             <a:extLst>
               <a:ext uri="{FF2B5EF4-FFF2-40B4-BE49-F238E27FC236}">
-                <a16:creationId xmlns:a16="http://schemas.microsoft.com/office/drawing/2014/main" id="{44FEA861-A155-449D-A9A4-FE4C8FDFEA97}"/>
+                <a16:creationId xmlns:a16="http://schemas.microsoft.com/office/drawing/2014/main" id="{E947B26E-2551-4165-B5DD-06904217DBB5}"/>
               </a:ext>
             </a:extLst>
           </p:cNvPr>
@@ -4333,7 +4335,10 @@
           <a:bodyPr/>
           <a:lstStyle/>
           <a:p>
-            <a:endParaRPr lang="sk-SK"/>
+            <a:r>
+              <a:rPr lang="sk-SK" dirty="0"/>
+              <a:t>Nové výsledky</a:t>
+            </a:r>
           </a:p>
         </p:txBody>
       </p:sp>
@@ -4342,7 +4347,7 @@
           <p:cNvPr id="3" name="Zástupný objekt pre obsah 2">
             <a:extLst>
               <a:ext uri="{FF2B5EF4-FFF2-40B4-BE49-F238E27FC236}">
-                <a16:creationId xmlns:a16="http://schemas.microsoft.com/office/drawing/2014/main" id="{125FAFF6-DCA3-4D9D-8B71-00700466DB52}"/>
+                <a16:creationId xmlns:a16="http://schemas.microsoft.com/office/drawing/2014/main" id="{A93F5BE1-15E0-48C3-8DD3-266D8DC252E9}"/>
               </a:ext>
             </a:extLst>
           </p:cNvPr>
@@ -4353,12 +4358,287 @@
             <p:ph idx="1"/>
           </p:nvPr>
         </p:nvSpPr>
-        <p:spPr/>
+        <p:spPr>
+          <a:xfrm>
+            <a:off x="838200" y="1436164"/>
+            <a:ext cx="3875202" cy="4486275"/>
+          </a:xfrm>
+        </p:spPr>
         <p:txBody>
           <a:bodyPr/>
           <a:lstStyle/>
           <a:p>
-            <a:endParaRPr lang="sk-SK"/>
+            <a:r>
+              <a:rPr lang="sk-SK" dirty="0"/>
+              <a:t>Logistická regresia po upravení dát</a:t>
+            </a:r>
+          </a:p>
+          <a:p>
+            <a:r>
+              <a:rPr lang="sk-SK" dirty="0"/>
+              <a:t>Opätovné trénovanie modelu</a:t>
+            </a:r>
+          </a:p>
+          <a:p>
+            <a:pPr marL="0" indent="0">
+              <a:buNone/>
+            </a:pPr>
+            <a:endParaRPr lang="sk-SK" dirty="0"/>
+          </a:p>
+        </p:txBody>
+      </p:sp>
+      <p:pic>
+        <p:nvPicPr>
+          <p:cNvPr id="5" name="Obrázok 4">
+            <a:extLst>
+              <a:ext uri="{FF2B5EF4-FFF2-40B4-BE49-F238E27FC236}">
+                <a16:creationId xmlns:a16="http://schemas.microsoft.com/office/drawing/2014/main" id="{88E0B300-09B3-4059-A376-984F50D9A78E}"/>
+              </a:ext>
+            </a:extLst>
+          </p:cNvPr>
+          <p:cNvPicPr>
+            <a:picLocks noChangeAspect="1"/>
+          </p:cNvPicPr>
+          <p:nvPr/>
+        </p:nvPicPr>
+        <p:blipFill>
+          <a:blip r:embed="rId2"/>
+          <a:stretch>
+            <a:fillRect/>
+          </a:stretch>
+        </p:blipFill>
+        <p:spPr>
+          <a:xfrm>
+            <a:off x="5197566" y="1027906"/>
+            <a:ext cx="6492583" cy="2243614"/>
+          </a:xfrm>
+          <a:prstGeom prst="rect">
+            <a:avLst/>
+          </a:prstGeom>
+        </p:spPr>
+      </p:pic>
+      <p:pic>
+        <p:nvPicPr>
+          <p:cNvPr id="7" name="Obrázok 6">
+            <a:extLst>
+              <a:ext uri="{FF2B5EF4-FFF2-40B4-BE49-F238E27FC236}">
+                <a16:creationId xmlns:a16="http://schemas.microsoft.com/office/drawing/2014/main" id="{42E9D9F7-0F0D-4F67-A622-5762E755AB0C}"/>
+              </a:ext>
+            </a:extLst>
+          </p:cNvPr>
+          <p:cNvPicPr>
+            <a:picLocks noChangeAspect="1"/>
+          </p:cNvPicPr>
+          <p:nvPr/>
+        </p:nvPicPr>
+        <p:blipFill>
+          <a:blip r:embed="rId3"/>
+          <a:stretch>
+            <a:fillRect/>
+          </a:stretch>
+        </p:blipFill>
+        <p:spPr>
+          <a:xfrm>
+            <a:off x="411622" y="3758064"/>
+            <a:ext cx="11612596" cy="352474"/>
+          </a:xfrm>
+          <a:prstGeom prst="rect">
+            <a:avLst/>
+          </a:prstGeom>
+        </p:spPr>
+      </p:pic>
+      <p:pic>
+        <p:nvPicPr>
+          <p:cNvPr id="9" name="Obrázok 8">
+            <a:extLst>
+              <a:ext uri="{FF2B5EF4-FFF2-40B4-BE49-F238E27FC236}">
+                <a16:creationId xmlns:a16="http://schemas.microsoft.com/office/drawing/2014/main" id="{EE92740F-9C44-4EED-8F9A-7DDDB39F65FB}"/>
+              </a:ext>
+            </a:extLst>
+          </p:cNvPr>
+          <p:cNvPicPr>
+            <a:picLocks noChangeAspect="1"/>
+          </p:cNvPicPr>
+          <p:nvPr/>
+        </p:nvPicPr>
+        <p:blipFill>
+          <a:blip r:embed="rId4"/>
+          <a:stretch>
+            <a:fillRect/>
+          </a:stretch>
+        </p:blipFill>
+        <p:spPr>
+          <a:xfrm>
+            <a:off x="838200" y="4543591"/>
+            <a:ext cx="10278909" cy="1200318"/>
+          </a:xfrm>
+          <a:prstGeom prst="rect">
+            <a:avLst/>
+          </a:prstGeom>
+        </p:spPr>
+      </p:pic>
+      <p:cxnSp>
+        <p:nvCxnSpPr>
+          <p:cNvPr id="6" name="Rovná spojovacia šípka 5">
+            <a:extLst>
+              <a:ext uri="{FF2B5EF4-FFF2-40B4-BE49-F238E27FC236}">
+                <a16:creationId xmlns:a16="http://schemas.microsoft.com/office/drawing/2014/main" id="{3566256F-C65E-4616-8B89-50D39B2B7F2F}"/>
+              </a:ext>
+            </a:extLst>
+          </p:cNvPr>
+          <p:cNvCxnSpPr/>
+          <p:nvPr/>
+        </p:nvCxnSpPr>
+        <p:spPr>
+          <a:xfrm flipV="1">
+            <a:off x="3487918" y="1866507"/>
+            <a:ext cx="1564849" cy="150829"/>
+          </a:xfrm>
+          <a:prstGeom prst="straightConnector1">
+            <a:avLst/>
+          </a:prstGeom>
+          <a:ln w="57150">
+            <a:tailEnd type="triangle"/>
+          </a:ln>
+        </p:spPr>
+        <p:style>
+          <a:lnRef idx="1">
+            <a:schemeClr val="dk1"/>
+          </a:lnRef>
+          <a:fillRef idx="0">
+            <a:schemeClr val="dk1"/>
+          </a:fillRef>
+          <a:effectRef idx="0">
+            <a:schemeClr val="dk1"/>
+          </a:effectRef>
+          <a:fontRef idx="minor">
+            <a:schemeClr val="tx1"/>
+          </a:fontRef>
+        </p:style>
+      </p:cxnSp>
+      <p:cxnSp>
+        <p:nvCxnSpPr>
+          <p:cNvPr id="10" name="Rovná spojovacia šípka 9">
+            <a:extLst>
+              <a:ext uri="{FF2B5EF4-FFF2-40B4-BE49-F238E27FC236}">
+                <a16:creationId xmlns:a16="http://schemas.microsoft.com/office/drawing/2014/main" id="{51C20A54-E9E7-4BB6-ADAE-D2FCC378CFCB}"/>
+              </a:ext>
+            </a:extLst>
+          </p:cNvPr>
+          <p:cNvCxnSpPr>
+            <a:cxnSpLocks/>
+          </p:cNvCxnSpPr>
+          <p:nvPr/>
+        </p:nvCxnSpPr>
+        <p:spPr>
+          <a:xfrm>
+            <a:off x="2775801" y="3073138"/>
+            <a:ext cx="1136323" cy="506396"/>
+          </a:xfrm>
+          <a:prstGeom prst="straightConnector1">
+            <a:avLst/>
+          </a:prstGeom>
+          <a:ln w="38100">
+            <a:tailEnd type="triangle"/>
+          </a:ln>
+        </p:spPr>
+        <p:style>
+          <a:lnRef idx="1">
+            <a:schemeClr val="dk1"/>
+          </a:lnRef>
+          <a:fillRef idx="0">
+            <a:schemeClr val="dk1"/>
+          </a:fillRef>
+          <a:effectRef idx="0">
+            <a:schemeClr val="dk1"/>
+          </a:effectRef>
+          <a:fontRef idx="minor">
+            <a:schemeClr val="tx1"/>
+          </a:fontRef>
+        </p:style>
+      </p:cxnSp>
+    </p:spTree>
+    <p:extLst>
+      <p:ext uri="{BB962C8B-B14F-4D97-AF65-F5344CB8AC3E}">
+        <p14:creationId xmlns:p14="http://schemas.microsoft.com/office/powerpoint/2010/main" val="1643361702"/>
+      </p:ext>
+    </p:extLst>
+  </p:cSld>
+  <p:clrMapOvr>
+    <a:masterClrMapping/>
+  </p:clrMapOvr>
+</p:sld>
+</file>
+
+<file path=ppt/slides/slide11.xml><?xml version="1.0" encoding="utf-8"?>
+<p:sld xmlns:a="http://schemas.openxmlformats.org/drawingml/2006/main" xmlns:r="http://schemas.openxmlformats.org/officeDocument/2006/relationships" xmlns:p="http://schemas.openxmlformats.org/presentationml/2006/main">
+  <p:cSld>
+    <p:spTree>
+      <p:nvGrpSpPr>
+        <p:cNvPr id="1" name=""/>
+        <p:cNvGrpSpPr/>
+        <p:nvPr/>
+      </p:nvGrpSpPr>
+      <p:grpSpPr>
+        <a:xfrm>
+          <a:off x="0" y="0"/>
+          <a:ext cx="0" cy="0"/>
+          <a:chOff x="0" y="0"/>
+          <a:chExt cx="0" cy="0"/>
+        </a:xfrm>
+      </p:grpSpPr>
+      <p:sp>
+        <p:nvSpPr>
+          <p:cNvPr id="3" name="Zástupný objekt pre obsah 2">
+            <a:extLst>
+              <a:ext uri="{FF2B5EF4-FFF2-40B4-BE49-F238E27FC236}">
+                <a16:creationId xmlns:a16="http://schemas.microsoft.com/office/drawing/2014/main" id="{125FAFF6-DCA3-4D9D-8B71-00700466DB52}"/>
+              </a:ext>
+            </a:extLst>
+          </p:cNvPr>
+          <p:cNvSpPr>
+            <a:spLocks noGrp="1"/>
+          </p:cNvSpPr>
+          <p:nvPr>
+            <p:ph idx="1"/>
+          </p:nvPr>
+        </p:nvSpPr>
+        <p:spPr>
+          <a:xfrm>
+            <a:off x="376287" y="403688"/>
+            <a:ext cx="5515466" cy="2716584"/>
+          </a:xfrm>
+        </p:spPr>
+        <p:txBody>
+          <a:bodyPr>
+            <a:normAutofit fontScale="92500" lnSpcReduction="10000"/>
+          </a:bodyPr>
+          <a:lstStyle/>
+          <a:p>
+            <a:r>
+              <a:rPr lang="sk-SK" dirty="0"/>
+              <a:t>Predikcia zobrazená v </a:t>
+            </a:r>
+            <a:r>
+              <a:rPr lang="sk-SK" dirty="0" err="1"/>
+              <a:t>heatmap</a:t>
+            </a:r>
+            <a:r>
+              <a:rPr lang="sk-SK" dirty="0"/>
+              <a:t> pre vyrovnané dáta</a:t>
+            </a:r>
+          </a:p>
+          <a:p>
+            <a:r>
+              <a:rPr lang="sk-SK" dirty="0"/>
+              <a:t>Report pre model aj s hodnotou f1-score a presnosťou</a:t>
+            </a:r>
+          </a:p>
+          <a:p>
+            <a:r>
+              <a:rPr lang="sk-SK" dirty="0"/>
+              <a:t>Upravené dáta síce znižujú celkovú presnosť, ale lepšie zabezpečujú predikciu</a:t>
+            </a:r>
           </a:p>
         </p:txBody>
       </p:sp>
@@ -4465,7 +4745,7 @@
 </p:sld>
 </file>
 
-<file path=ppt/slides/slide11.xml><?xml version="1.0" encoding="utf-8"?>
+<file path=ppt/slides/slide12.xml><?xml version="1.0" encoding="utf-8"?>
 <p:sld xmlns:a="http://schemas.openxmlformats.org/drawingml/2006/main" xmlns:r="http://schemas.openxmlformats.org/officeDocument/2006/relationships" xmlns:p="http://schemas.openxmlformats.org/presentationml/2006/main">
   <p:cSld>
     <p:bg>
@@ -4920,6 +5200,125 @@
 </p:sld>
 </file>
 
+<file path=ppt/slides/slide13.xml><?xml version="1.0" encoding="utf-8"?>
+<p:sld xmlns:a="http://schemas.openxmlformats.org/drawingml/2006/main" xmlns:r="http://schemas.openxmlformats.org/officeDocument/2006/relationships" xmlns:p="http://schemas.openxmlformats.org/presentationml/2006/main">
+  <p:cSld>
+    <p:spTree>
+      <p:nvGrpSpPr>
+        <p:cNvPr id="1" name=""/>
+        <p:cNvGrpSpPr/>
+        <p:nvPr/>
+      </p:nvGrpSpPr>
+      <p:grpSpPr>
+        <a:xfrm>
+          <a:off x="0" y="0"/>
+          <a:ext cx="0" cy="0"/>
+          <a:chOff x="0" y="0"/>
+          <a:chExt cx="0" cy="0"/>
+        </a:xfrm>
+      </p:grpSpPr>
+      <p:sp>
+        <p:nvSpPr>
+          <p:cNvPr id="2" name="Nadpis 1">
+            <a:extLst>
+              <a:ext uri="{FF2B5EF4-FFF2-40B4-BE49-F238E27FC236}">
+                <a16:creationId xmlns:a16="http://schemas.microsoft.com/office/drawing/2014/main" id="{C17FBBD3-DB1D-4098-8B30-A6A0C2D8DBD4}"/>
+              </a:ext>
+            </a:extLst>
+          </p:cNvPr>
+          <p:cNvSpPr>
+            <a:spLocks noGrp="1"/>
+          </p:cNvSpPr>
+          <p:nvPr>
+            <p:ph type="title"/>
+          </p:nvPr>
+        </p:nvSpPr>
+        <p:spPr/>
+        <p:txBody>
+          <a:bodyPr/>
+          <a:lstStyle/>
+          <a:p>
+            <a:r>
+              <a:rPr lang="sk-SK" dirty="0"/>
+              <a:t>Zdroje</a:t>
+            </a:r>
+          </a:p>
+        </p:txBody>
+      </p:sp>
+      <p:sp>
+        <p:nvSpPr>
+          <p:cNvPr id="3" name="Zástupný objekt pre obsah 2">
+            <a:extLst>
+              <a:ext uri="{FF2B5EF4-FFF2-40B4-BE49-F238E27FC236}">
+                <a16:creationId xmlns:a16="http://schemas.microsoft.com/office/drawing/2014/main" id="{AAFA7AAD-E6FC-4807-A088-8D9EEE575D4A}"/>
+              </a:ext>
+            </a:extLst>
+          </p:cNvPr>
+          <p:cNvSpPr>
+            <a:spLocks noGrp="1"/>
+          </p:cNvSpPr>
+          <p:nvPr>
+            <p:ph idx="1"/>
+          </p:nvPr>
+        </p:nvSpPr>
+        <p:spPr/>
+        <p:txBody>
+          <a:bodyPr/>
+          <a:lstStyle/>
+          <a:p>
+            <a:r>
+              <a:rPr lang="sk-SK" dirty="0">
+                <a:hlinkClick r:id="rId2"/>
+              </a:rPr>
+              <a:t>https://www.kaggle.com/barelydedicated/bank-customer-churn-modeling</a:t>
+            </a:r>
+            <a:endParaRPr lang="sk-SK" dirty="0"/>
+          </a:p>
+          <a:p>
+            <a:r>
+              <a:rPr lang="sk-SK" dirty="0">
+                <a:hlinkClick r:id="rId3"/>
+              </a:rPr>
+              <a:t>https://machinelearningmastery.com/columntransformer-for-numerical-and-categorical-data/</a:t>
+            </a:r>
+            <a:endParaRPr lang="sk-SK" dirty="0"/>
+          </a:p>
+          <a:p>
+            <a:r>
+              <a:rPr lang="sk-SK" dirty="0">
+                <a:hlinkClick r:id="rId4"/>
+              </a:rPr>
+              <a:t>https://machinelearningmastery.com/smote-oversampling-for-imbalanced-classification/</a:t>
+            </a:r>
+            <a:endParaRPr lang="sk-SK" dirty="0"/>
+          </a:p>
+          <a:p>
+            <a:r>
+              <a:rPr lang="sk-SK" dirty="0">
+                <a:hlinkClick r:id="rId5"/>
+              </a:rPr>
+              <a:t>https://www.youtube.com/channel/UCz9-ZKdsXcIqYe-jdd4pcXA</a:t>
+            </a:r>
+            <a:endParaRPr lang="sk-SK" dirty="0"/>
+          </a:p>
+          <a:p>
+            <a:endParaRPr lang="sk-SK" dirty="0"/>
+          </a:p>
+        </p:txBody>
+      </p:sp>
+    </p:spTree>
+    <p:extLst>
+      <p:ext uri="{BB962C8B-B14F-4D97-AF65-F5344CB8AC3E}">
+        <p14:creationId xmlns:p14="http://schemas.microsoft.com/office/powerpoint/2010/main" val="3581037159"/>
+      </p:ext>
+    </p:extLst>
+  </p:cSld>
+  <p:clrMapOvr>
+    <a:masterClrMapping/>
+  </p:clrMapOvr>
+</p:sld>
+</file>
+
 <file path=ppt/slides/slide2.xml><?xml version="1.0" encoding="utf-8"?>
 <p:sld xmlns:a="http://schemas.openxmlformats.org/drawingml/2006/main" xmlns:r="http://schemas.openxmlformats.org/officeDocument/2006/relationships" xmlns:p="http://schemas.openxmlformats.org/presentationml/2006/main">
   <p:cSld>
@@ -5136,17 +5535,75 @@
         </p:nvSpPr>
         <p:spPr>
           <a:xfrm>
-            <a:off x="4038600" y="4884873"/>
-            <a:ext cx="7188199" cy="1292090"/>
+            <a:off x="2441542" y="4347545"/>
+            <a:ext cx="7512639" cy="2185365"/>
           </a:xfrm>
         </p:spPr>
         <p:txBody>
           <a:bodyPr>
-            <a:normAutofit/>
+            <a:normAutofit lnSpcReduction="10000"/>
           </a:bodyPr>
           <a:lstStyle/>
           <a:p>
-            <a:endParaRPr lang="sk-SK" sz="1800"/>
+            <a:r>
+              <a:rPr lang="sk-SK" sz="2000" dirty="0"/>
+              <a:t>Zloženie </a:t>
+            </a:r>
+            <a:r>
+              <a:rPr lang="sk-SK" sz="2000" dirty="0" err="1"/>
+              <a:t>datasetu</a:t>
+            </a:r>
+            <a:endParaRPr lang="sk-SK" sz="2000" dirty="0"/>
+          </a:p>
+          <a:p>
+            <a:r>
+              <a:rPr lang="sk-SK" sz="2000" dirty="0"/>
+              <a:t>Odstránenie nepotrebných stĺpcov</a:t>
+            </a:r>
+          </a:p>
+          <a:p>
+            <a:r>
+              <a:rPr lang="sk-SK" sz="2000" dirty="0"/>
+              <a:t>Rozdelenie </a:t>
+            </a:r>
+            <a:r>
+              <a:rPr lang="sk-SK" sz="2000" dirty="0" err="1"/>
+              <a:t>datasetu</a:t>
+            </a:r>
+            <a:r>
+              <a:rPr lang="sk-SK" sz="2000" dirty="0"/>
+              <a:t> na X a y(‚</a:t>
+            </a:r>
+            <a:r>
+              <a:rPr lang="sk-SK" sz="2000" dirty="0" err="1"/>
+              <a:t>Exited</a:t>
+            </a:r>
+            <a:r>
+              <a:rPr lang="sk-SK" sz="2000" dirty="0"/>
+              <a:t>‘)</a:t>
+            </a:r>
+          </a:p>
+          <a:p>
+            <a:r>
+              <a:rPr lang="sk-SK" sz="2000" dirty="0"/>
+              <a:t>Zmena kategorických premenných</a:t>
+            </a:r>
+          </a:p>
+          <a:p>
+            <a:pPr lvl="1"/>
+            <a:r>
+              <a:rPr lang="sk-SK" sz="1800" dirty="0" err="1"/>
+              <a:t>OneHotEncoder</a:t>
+            </a:r>
+            <a:endParaRPr lang="sk-SK" sz="1800" dirty="0"/>
+          </a:p>
+          <a:p>
+            <a:pPr lvl="1"/>
+            <a:r>
+              <a:rPr lang="sk-SK" sz="1800" dirty="0" err="1"/>
+              <a:t>LabelEncoder</a:t>
+            </a:r>
+            <a:endParaRPr lang="sk-SK" sz="1800" dirty="0"/>
           </a:p>
         </p:txBody>
       </p:sp>
@@ -5223,38 +5680,6 @@
       </p:grpSpPr>
       <p:sp>
         <p:nvSpPr>
-          <p:cNvPr id="2" name="Nadpis 1">
-            <a:extLst>
-              <a:ext uri="{FF2B5EF4-FFF2-40B4-BE49-F238E27FC236}">
-                <a16:creationId xmlns:a16="http://schemas.microsoft.com/office/drawing/2014/main" id="{7AE08650-3C01-4B15-8712-B25DBB27CA2F}"/>
-              </a:ext>
-            </a:extLst>
-          </p:cNvPr>
-          <p:cNvSpPr>
-            <a:spLocks noGrp="1"/>
-          </p:cNvSpPr>
-          <p:nvPr>
-            <p:ph type="title"/>
-          </p:nvPr>
-        </p:nvSpPr>
-        <p:spPr>
-          <a:xfrm>
-            <a:off x="6451457" y="459045"/>
-            <a:ext cx="5034783" cy="1325563"/>
-          </a:xfrm>
-        </p:spPr>
-        <p:txBody>
-          <a:bodyPr>
-            <a:normAutofit/>
-          </a:bodyPr>
-          <a:lstStyle/>
-          <a:p>
-            <a:endParaRPr lang="sk-SK" dirty="0"/>
-          </a:p>
-        </p:txBody>
-      </p:sp>
-      <p:sp>
-        <p:nvSpPr>
           <p:cNvPr id="12" name="Freeform: Shape 11">
             <a:extLst>
               <a:ext uri="{FF2B5EF4-FFF2-40B4-BE49-F238E27FC236}">
@@ -5678,6 +6103,157 @@
           </a:prstGeom>
         </p:spPr>
       </p:pic>
+      <p:sp>
+        <p:nvSpPr>
+          <p:cNvPr id="4" name="BlokTextu 3">
+            <a:extLst>
+              <a:ext uri="{FF2B5EF4-FFF2-40B4-BE49-F238E27FC236}">
+                <a16:creationId xmlns:a16="http://schemas.microsoft.com/office/drawing/2014/main" id="{E4FF9985-37DD-4F92-A76F-DACE593733B8}"/>
+              </a:ext>
+            </a:extLst>
+          </p:cNvPr>
+          <p:cNvSpPr txBox="1"/>
+          <p:nvPr/>
+        </p:nvSpPr>
+        <p:spPr>
+          <a:xfrm>
+            <a:off x="6831784" y="480767"/>
+            <a:ext cx="4480381" cy="1200329"/>
+          </a:xfrm>
+          <a:prstGeom prst="rect">
+            <a:avLst/>
+          </a:prstGeom>
+          <a:noFill/>
+        </p:spPr>
+        <p:txBody>
+          <a:bodyPr wrap="square" rtlCol="0">
+            <a:spAutoFit/>
+          </a:bodyPr>
+          <a:lstStyle/>
+          <a:p>
+            <a:pPr marL="285750" indent="-285750">
+              <a:buFont typeface="Arial" panose="020B0604020202020204" pitchFamily="34" charset="0"/>
+              <a:buChar char="•"/>
+            </a:pPr>
+            <a:r>
+              <a:rPr lang="sk-SK" dirty="0"/>
+              <a:t>Dáta sú veľmi nevyrovnané ako je vidieť na prvom grafe</a:t>
+            </a:r>
+          </a:p>
+          <a:p>
+            <a:pPr marL="285750" indent="-285750">
+              <a:buFont typeface="Arial" panose="020B0604020202020204" pitchFamily="34" charset="0"/>
+              <a:buChar char="•"/>
+            </a:pPr>
+            <a:r>
+              <a:rPr lang="sk-SK" dirty="0"/>
+              <a:t>A bude veľmi ťažké správne predikovať výsledky </a:t>
+            </a:r>
+          </a:p>
+        </p:txBody>
+      </p:sp>
+      <p:sp>
+        <p:nvSpPr>
+          <p:cNvPr id="6" name="BlokTextu 5">
+            <a:extLst>
+              <a:ext uri="{FF2B5EF4-FFF2-40B4-BE49-F238E27FC236}">
+                <a16:creationId xmlns:a16="http://schemas.microsoft.com/office/drawing/2014/main" id="{56813FCF-151F-4E7F-8155-595B8C113984}"/>
+              </a:ext>
+            </a:extLst>
+          </p:cNvPr>
+          <p:cNvSpPr txBox="1"/>
+          <p:nvPr/>
+        </p:nvSpPr>
+        <p:spPr>
+          <a:xfrm>
+            <a:off x="438559" y="3883843"/>
+            <a:ext cx="5147036" cy="923330"/>
+          </a:xfrm>
+          <a:prstGeom prst="rect">
+            <a:avLst/>
+          </a:prstGeom>
+          <a:noFill/>
+        </p:spPr>
+        <p:txBody>
+          <a:bodyPr wrap="square" rtlCol="0">
+            <a:spAutoFit/>
+          </a:bodyPr>
+          <a:lstStyle/>
+          <a:p>
+            <a:pPr marL="285750" indent="-285750">
+              <a:buFont typeface="Arial" panose="020B0604020202020204" pitchFamily="34" charset="0"/>
+              <a:buChar char="•"/>
+            </a:pPr>
+            <a:r>
+              <a:rPr lang="sk-SK" dirty="0">
+                <a:solidFill>
+                  <a:schemeClr val="bg1"/>
+                </a:solidFill>
+              </a:rPr>
+              <a:t>Rozdelenie </a:t>
+            </a:r>
+            <a:r>
+              <a:rPr lang="sk-SK" dirty="0" err="1">
+                <a:solidFill>
+                  <a:schemeClr val="bg1"/>
+                </a:solidFill>
+              </a:rPr>
+              <a:t>datasetu</a:t>
+            </a:r>
+            <a:r>
+              <a:rPr lang="sk-SK" dirty="0">
+                <a:solidFill>
+                  <a:schemeClr val="bg1"/>
+                </a:solidFill>
+              </a:rPr>
+              <a:t> na testovacie a </a:t>
+            </a:r>
+            <a:r>
+              <a:rPr lang="sk-SK" dirty="0" err="1">
+                <a:solidFill>
+                  <a:schemeClr val="bg1"/>
+                </a:solidFill>
+              </a:rPr>
+              <a:t>trénovacie</a:t>
+            </a:r>
+            <a:r>
+              <a:rPr lang="sk-SK" dirty="0">
+                <a:solidFill>
+                  <a:schemeClr val="bg1"/>
+                </a:solidFill>
+              </a:rPr>
+              <a:t> dáta</a:t>
+            </a:r>
+          </a:p>
+          <a:p>
+            <a:pPr marL="285750" indent="-285750">
+              <a:buFont typeface="Arial" panose="020B0604020202020204" pitchFamily="34" charset="0"/>
+              <a:buChar char="•"/>
+            </a:pPr>
+            <a:r>
+              <a:rPr lang="sk-SK" dirty="0">
+                <a:solidFill>
+                  <a:schemeClr val="bg1"/>
+                </a:solidFill>
+              </a:rPr>
+              <a:t>Pomer 30% testovacích a 70% </a:t>
+            </a:r>
+            <a:r>
+              <a:rPr lang="sk-SK" dirty="0" err="1">
+                <a:solidFill>
+                  <a:schemeClr val="bg1"/>
+                </a:solidFill>
+              </a:rPr>
+              <a:t>trénovacích</a:t>
+            </a:r>
+            <a:endParaRPr lang="sk-SK" dirty="0">
+              <a:solidFill>
+                <a:schemeClr val="bg1"/>
+              </a:solidFill>
+            </a:endParaRPr>
+          </a:p>
+        </p:txBody>
+      </p:sp>
     </p:spTree>
     <p:extLst>
       <p:ext uri="{BB962C8B-B14F-4D97-AF65-F5344CB8AC3E}">
@@ -6415,7 +6991,7 @@
         </p:nvSpPr>
         <p:spPr>
           <a:xfrm>
-            <a:off x="289770" y="2458350"/>
+            <a:off x="266999" y="2206627"/>
             <a:ext cx="4075054" cy="2741213"/>
           </a:xfrm>
         </p:spPr>
@@ -6424,6 +7000,123 @@
             <a:normAutofit/>
           </a:bodyPr>
           <a:lstStyle/>
+          <a:p>
+            <a:r>
+              <a:rPr lang="sk-SK" sz="2000" dirty="0">
+                <a:solidFill>
+                  <a:schemeClr val="bg1"/>
+                </a:solidFill>
+              </a:rPr>
+              <a:t>Model </a:t>
+            </a:r>
+            <a:r>
+              <a:rPr lang="sk-SK" sz="2000" dirty="0" err="1">
+                <a:solidFill>
+                  <a:schemeClr val="bg1"/>
+                </a:solidFill>
+              </a:rPr>
+              <a:t>keras</a:t>
+            </a:r>
+            <a:r>
+              <a:rPr lang="sk-SK" sz="2000" dirty="0">
+                <a:solidFill>
+                  <a:schemeClr val="bg1"/>
+                </a:solidFill>
+              </a:rPr>
+              <a:t> Sekvenčný</a:t>
+            </a:r>
+          </a:p>
+          <a:p>
+            <a:r>
+              <a:rPr lang="sk-SK" sz="2000" dirty="0">
+                <a:solidFill>
+                  <a:schemeClr val="bg1"/>
+                </a:solidFill>
+              </a:rPr>
+              <a:t>Aktivačné funkcie </a:t>
+            </a:r>
+            <a:r>
+              <a:rPr lang="sk-SK" sz="2000" dirty="0" err="1">
+                <a:solidFill>
+                  <a:schemeClr val="bg1"/>
+                </a:solidFill>
+              </a:rPr>
+              <a:t>ReLu</a:t>
+            </a:r>
+            <a:r>
+              <a:rPr lang="sk-SK" sz="2000" dirty="0">
+                <a:solidFill>
+                  <a:schemeClr val="bg1"/>
+                </a:solidFill>
+              </a:rPr>
+              <a:t> a</a:t>
+            </a:r>
+            <a:br>
+              <a:rPr lang="sk-SK" sz="2000" dirty="0">
+                <a:solidFill>
+                  <a:schemeClr val="bg1"/>
+                </a:solidFill>
+              </a:rPr>
+            </a:br>
+            <a:r>
+              <a:rPr lang="sk-SK" sz="2000" dirty="0" err="1">
+                <a:solidFill>
+                  <a:schemeClr val="bg1"/>
+                </a:solidFill>
+              </a:rPr>
+              <a:t>sigmoid</a:t>
+            </a:r>
+            <a:endParaRPr lang="sk-SK" sz="2000" dirty="0">
+              <a:solidFill>
+                <a:schemeClr val="bg1"/>
+              </a:solidFill>
+            </a:endParaRPr>
+          </a:p>
+          <a:p>
+            <a:r>
+              <a:rPr lang="sk-SK" sz="2000" dirty="0">
+                <a:solidFill>
+                  <a:schemeClr val="bg1"/>
+                </a:solidFill>
+              </a:rPr>
+              <a:t>Optimalizačný algoritmus </a:t>
+            </a:r>
+            <a:r>
+              <a:rPr lang="sk-SK" sz="2000" dirty="0" err="1">
+                <a:solidFill>
+                  <a:schemeClr val="bg1"/>
+                </a:solidFill>
+              </a:rPr>
+              <a:t>adam</a:t>
+            </a:r>
+            <a:endParaRPr lang="sk-SK" sz="2000" dirty="0">
+              <a:solidFill>
+                <a:schemeClr val="bg1"/>
+              </a:solidFill>
+            </a:endParaRPr>
+          </a:p>
+          <a:p>
+            <a:r>
+              <a:rPr lang="sk-SK" sz="2000" dirty="0" err="1">
+                <a:solidFill>
+                  <a:schemeClr val="bg1"/>
+                </a:solidFill>
+              </a:rPr>
+              <a:t>Binary_crossentropy</a:t>
+            </a:r>
+            <a:endParaRPr lang="sk-SK" sz="2000" dirty="0">
+              <a:solidFill>
+                <a:schemeClr val="bg1"/>
+              </a:solidFill>
+            </a:endParaRPr>
+          </a:p>
+          <a:p>
+            <a:endParaRPr lang="sk-SK" sz="2000" dirty="0">
+              <a:solidFill>
+                <a:schemeClr val="bg1"/>
+              </a:solidFill>
+            </a:endParaRPr>
+          </a:p>
           <a:p>
             <a:endParaRPr lang="sk-SK" sz="2000" dirty="0">
               <a:solidFill>
@@ -6457,6 +7150,36 @@
           <a:xfrm>
             <a:off x="824823" y="5561463"/>
             <a:ext cx="10876954" cy="1060502"/>
+          </a:xfrm>
+          <a:prstGeom prst="rect">
+            <a:avLst/>
+          </a:prstGeom>
+        </p:spPr>
+      </p:pic>
+      <p:pic>
+        <p:nvPicPr>
+          <p:cNvPr id="6" name="Obrázok 5">
+            <a:extLst>
+              <a:ext uri="{FF2B5EF4-FFF2-40B4-BE49-F238E27FC236}">
+                <a16:creationId xmlns:a16="http://schemas.microsoft.com/office/drawing/2014/main" id="{944C2AC1-2C6D-44C0-82BD-8BF4682194FE}"/>
+              </a:ext>
+            </a:extLst>
+          </p:cNvPr>
+          <p:cNvPicPr>
+            <a:picLocks noChangeAspect="1"/>
+          </p:cNvPicPr>
+          <p:nvPr/>
+        </p:nvPicPr>
+        <p:blipFill>
+          <a:blip r:embed="rId4"/>
+          <a:stretch>
+            <a:fillRect/>
+          </a:stretch>
+        </p:blipFill>
+        <p:spPr>
+          <a:xfrm>
+            <a:off x="3278603" y="3718555"/>
+            <a:ext cx="7250800" cy="1755065"/>
           </a:xfrm>
           <a:prstGeom prst="rect">
             <a:avLst/>
@@ -6501,6 +7224,833 @@
           <a:chExt cx="0" cy="0"/>
         </a:xfrm>
       </p:grpSpPr>
+      <p:sp>
+        <p:nvSpPr>
+          <p:cNvPr id="10" name="Rectangle 9">
+            <a:extLst>
+              <a:ext uri="{FF2B5EF4-FFF2-40B4-BE49-F238E27FC236}">
+                <a16:creationId xmlns:a16="http://schemas.microsoft.com/office/drawing/2014/main" id="{0B761509-3B9A-49A6-A84B-C3D86811697D}"/>
+              </a:ext>
+              <a:ext uri="{C183D7F6-B498-43B3-948B-1728B52AA6E4}">
+                <adec:decorative xmlns:adec="http://schemas.microsoft.com/office/drawing/2017/decorative" val="1"/>
+              </a:ext>
+            </a:extLst>
+          </p:cNvPr>
+          <p:cNvSpPr>
+            <a:spLocks noGrp="1" noRot="1" noChangeAspect="1" noMove="1" noResize="1" noEditPoints="1" noAdjustHandles="1" noChangeArrowheads="1" noChangeShapeType="1" noTextEdit="1"/>
+          </p:cNvSpPr>
+          <p:nvPr>
+            <p:extLst>
+              <p:ext uri="{386F3935-93C4-4BCD-93E2-E3B085C9AB24}">
+                <p16:designElem xmlns:p16="http://schemas.microsoft.com/office/powerpoint/2015/main" val="1"/>
+              </p:ext>
+            </p:extLst>
+          </p:nvPr>
+        </p:nvSpPr>
+        <p:spPr>
+          <a:xfrm>
+            <a:off x="2" y="0"/>
+            <a:ext cx="12191997" cy="6858000"/>
+          </a:xfrm>
+          <a:prstGeom prst="rect">
+            <a:avLst/>
+          </a:prstGeom>
+          <a:solidFill>
+            <a:schemeClr val="tx1"/>
+          </a:solidFill>
+          <a:ln>
+            <a:noFill/>
+          </a:ln>
+        </p:spPr>
+        <p:style>
+          <a:lnRef idx="2">
+            <a:schemeClr val="accent1">
+              <a:shade val="50000"/>
+            </a:schemeClr>
+          </a:lnRef>
+          <a:fillRef idx="1">
+            <a:schemeClr val="accent1"/>
+          </a:fillRef>
+          <a:effectRef idx="0">
+            <a:schemeClr val="accent1"/>
+          </a:effectRef>
+          <a:fontRef idx="minor">
+            <a:schemeClr val="lt1"/>
+          </a:fontRef>
+        </p:style>
+        <p:txBody>
+          <a:bodyPr rtlCol="0" anchor="ctr"/>
+          <a:lstStyle/>
+          <a:p>
+            <a:pPr algn="ctr"/>
+            <a:endParaRPr lang="en-US"/>
+          </a:p>
+        </p:txBody>
+      </p:sp>
+      <p:sp useBgFill="1">
+        <p:nvSpPr>
+          <p:cNvPr id="12" name="Freeform: Shape 11">
+            <a:extLst>
+              <a:ext uri="{FF2B5EF4-FFF2-40B4-BE49-F238E27FC236}">
+                <a16:creationId xmlns:a16="http://schemas.microsoft.com/office/drawing/2014/main" id="{91DE43FD-EB47-414A-B0AB-169B0FFFA527}"/>
+              </a:ext>
+              <a:ext uri="{C183D7F6-B498-43B3-948B-1728B52AA6E4}">
+                <adec:decorative xmlns:adec="http://schemas.microsoft.com/office/drawing/2017/decorative" val="1"/>
+              </a:ext>
+            </a:extLst>
+          </p:cNvPr>
+          <p:cNvSpPr>
+            <a:spLocks noGrp="1" noRot="1" noChangeAspect="1" noMove="1" noResize="1" noEditPoints="1" noAdjustHandles="1" noChangeArrowheads="1" noChangeShapeType="1" noTextEdit="1"/>
+          </p:cNvSpPr>
+          <p:nvPr>
+            <p:extLst>
+              <p:ext uri="{386F3935-93C4-4BCD-93E2-E3B085C9AB24}">
+                <p16:designElem xmlns:p16="http://schemas.microsoft.com/office/powerpoint/2015/main" val="1"/>
+              </p:ext>
+            </p:extLst>
+          </p:nvPr>
+        </p:nvSpPr>
+        <p:spPr>
+          <a:xfrm>
+            <a:off x="0" y="0"/>
+            <a:ext cx="9272922" cy="6858000"/>
+          </a:xfrm>
+          <a:custGeom>
+            <a:avLst/>
+            <a:gdLst>
+              <a:gd name="connsiteX0" fmla="*/ 0 w 9272922"/>
+              <a:gd name="connsiteY0" fmla="*/ 0 h 6858000"/>
+              <a:gd name="connsiteX1" fmla="*/ 1733417 w 9272922"/>
+              <a:gd name="connsiteY1" fmla="*/ 0 h 6858000"/>
+              <a:gd name="connsiteX2" fmla="*/ 3307976 w 9272922"/>
+              <a:gd name="connsiteY2" fmla="*/ 0 h 6858000"/>
+              <a:gd name="connsiteX3" fmla="*/ 8126249 w 9272922"/>
+              <a:gd name="connsiteY3" fmla="*/ 0 h 6858000"/>
+              <a:gd name="connsiteX4" fmla="*/ 8138896 w 9272922"/>
+              <a:gd name="connsiteY4" fmla="*/ 31774 h 6858000"/>
+              <a:gd name="connsiteX5" fmla="*/ 9193904 w 9272922"/>
+              <a:gd name="connsiteY5" fmla="*/ 2682457 h 6858000"/>
+              <a:gd name="connsiteX6" fmla="*/ 9193904 w 9272922"/>
+              <a:gd name="connsiteY6" fmla="*/ 3752208 h 6858000"/>
+              <a:gd name="connsiteX7" fmla="*/ 8036400 w 9272922"/>
+              <a:gd name="connsiteY7" fmla="*/ 6660411 h 6858000"/>
+              <a:gd name="connsiteX8" fmla="*/ 7957938 w 9272922"/>
+              <a:gd name="connsiteY8" fmla="*/ 6857542 h 6858000"/>
+              <a:gd name="connsiteX9" fmla="*/ 3307976 w 9272922"/>
+              <a:gd name="connsiteY9" fmla="*/ 6857542 h 6858000"/>
+              <a:gd name="connsiteX10" fmla="*/ 3307976 w 9272922"/>
+              <a:gd name="connsiteY10" fmla="*/ 6858000 h 6858000"/>
+              <a:gd name="connsiteX11" fmla="*/ 0 w 9272922"/>
+              <a:gd name="connsiteY11" fmla="*/ 6858000 h 6858000"/>
+            </a:gdLst>
+            <a:ahLst/>
+            <a:cxnLst>
+              <a:cxn ang="0">
+                <a:pos x="connsiteX0" y="connsiteY0"/>
+              </a:cxn>
+              <a:cxn ang="0">
+                <a:pos x="connsiteX1" y="connsiteY1"/>
+              </a:cxn>
+              <a:cxn ang="0">
+                <a:pos x="connsiteX2" y="connsiteY2"/>
+              </a:cxn>
+              <a:cxn ang="0">
+                <a:pos x="connsiteX3" y="connsiteY3"/>
+              </a:cxn>
+              <a:cxn ang="0">
+                <a:pos x="connsiteX4" y="connsiteY4"/>
+              </a:cxn>
+              <a:cxn ang="0">
+                <a:pos x="connsiteX5" y="connsiteY5"/>
+              </a:cxn>
+              <a:cxn ang="0">
+                <a:pos x="connsiteX6" y="connsiteY6"/>
+              </a:cxn>
+              <a:cxn ang="0">
+                <a:pos x="connsiteX7" y="connsiteY7"/>
+              </a:cxn>
+              <a:cxn ang="0">
+                <a:pos x="connsiteX8" y="connsiteY8"/>
+              </a:cxn>
+              <a:cxn ang="0">
+                <a:pos x="connsiteX9" y="connsiteY9"/>
+              </a:cxn>
+              <a:cxn ang="0">
+                <a:pos x="connsiteX10" y="connsiteY10"/>
+              </a:cxn>
+              <a:cxn ang="0">
+                <a:pos x="connsiteX11" y="connsiteY11"/>
+              </a:cxn>
+            </a:cxnLst>
+            <a:rect l="l" t="t" r="r" b="b"/>
+            <a:pathLst>
+              <a:path w="9272922" h="6858000">
+                <a:moveTo>
+                  <a:pt x="0" y="0"/>
+                </a:moveTo>
+                <a:lnTo>
+                  <a:pt x="1733417" y="0"/>
+                </a:lnTo>
+                <a:lnTo>
+                  <a:pt x="3307976" y="0"/>
+                </a:lnTo>
+                <a:lnTo>
+                  <a:pt x="8126249" y="0"/>
+                </a:lnTo>
+                <a:lnTo>
+                  <a:pt x="8138896" y="31774"/>
+                </a:lnTo>
+                <a:cubicBezTo>
+                  <a:pt x="9193904" y="2682457"/>
+                  <a:pt x="9193904" y="2682457"/>
+                  <a:pt x="9193904" y="2682457"/>
+                </a:cubicBezTo>
+                <a:cubicBezTo>
+                  <a:pt x="9299262" y="2988100"/>
+                  <a:pt x="9299262" y="3446565"/>
+                  <a:pt x="9193904" y="3752208"/>
+                </a:cubicBezTo>
+                <a:cubicBezTo>
+                  <a:pt x="8709916" y="4968215"/>
+                  <a:pt x="8331802" y="5918220"/>
+                  <a:pt x="8036400" y="6660411"/>
+                </a:cubicBezTo>
+                <a:lnTo>
+                  <a:pt x="7957938" y="6857542"/>
+                </a:lnTo>
+                <a:lnTo>
+                  <a:pt x="3307976" y="6857542"/>
+                </a:lnTo>
+                <a:lnTo>
+                  <a:pt x="3307976" y="6858000"/>
+                </a:lnTo>
+                <a:lnTo>
+                  <a:pt x="0" y="6858000"/>
+                </a:lnTo>
+                <a:close/>
+              </a:path>
+            </a:pathLst>
+          </a:custGeom>
+          <a:ln>
+            <a:noFill/>
+          </a:ln>
+        </p:spPr>
+        <p:style>
+          <a:lnRef idx="2">
+            <a:schemeClr val="accent1">
+              <a:shade val="50000"/>
+            </a:schemeClr>
+          </a:lnRef>
+          <a:fillRef idx="1">
+            <a:schemeClr val="accent1"/>
+          </a:fillRef>
+          <a:effectRef idx="0">
+            <a:schemeClr val="accent1"/>
+          </a:effectRef>
+          <a:fontRef idx="minor">
+            <a:schemeClr val="lt1"/>
+          </a:fontRef>
+        </p:style>
+        <p:txBody>
+          <a:bodyPr wrap="square" rtlCol="0" anchor="ctr">
+            <a:noAutofit/>
+          </a:bodyPr>
+          <a:lstStyle/>
+          <a:p>
+            <a:pPr algn="ctr"/>
+            <a:endParaRPr lang="en-US"/>
+          </a:p>
+        </p:txBody>
+      </p:sp>
+      <p:pic>
+        <p:nvPicPr>
+          <p:cNvPr id="5" name="Zástupný objekt pre obsah 4">
+            <a:extLst>
+              <a:ext uri="{FF2B5EF4-FFF2-40B4-BE49-F238E27FC236}">
+                <a16:creationId xmlns:a16="http://schemas.microsoft.com/office/drawing/2014/main" id="{E0131A51-D5A9-428A-8439-D280AEC68314}"/>
+              </a:ext>
+            </a:extLst>
+          </p:cNvPr>
+          <p:cNvPicPr>
+            <a:picLocks noGrp="1" noChangeAspect="1"/>
+          </p:cNvPicPr>
+          <p:nvPr>
+            <p:ph idx="1"/>
+          </p:nvPr>
+        </p:nvPicPr>
+        <p:blipFill>
+          <a:blip r:embed="rId2"/>
+          <a:stretch>
+            <a:fillRect/>
+          </a:stretch>
+        </p:blipFill>
+        <p:spPr>
+          <a:xfrm>
+            <a:off x="1283059" y="643466"/>
+            <a:ext cx="5862459" cy="5657273"/>
+          </a:xfrm>
+          <a:prstGeom prst="rect">
+            <a:avLst/>
+          </a:prstGeom>
+        </p:spPr>
+      </p:pic>
+      <p:grpSp>
+        <p:nvGrpSpPr>
+          <p:cNvPr id="14" name="Group 13">
+            <a:extLst>
+              <a:ext uri="{FF2B5EF4-FFF2-40B4-BE49-F238E27FC236}">
+                <a16:creationId xmlns:a16="http://schemas.microsoft.com/office/drawing/2014/main" id="{58495BCC-CE77-4CC2-952E-846F41119FD5}"/>
+              </a:ext>
+              <a:ext uri="{C183D7F6-B498-43B3-948B-1728B52AA6E4}">
+                <adec:decorative xmlns:adec="http://schemas.microsoft.com/office/drawing/2017/decorative" val="1"/>
+              </a:ext>
+            </a:extLst>
+          </p:cNvPr>
+          <p:cNvGrpSpPr>
+            <a:grpSpLocks noGrp="1" noUngrp="1" noRot="1" noChangeAspect="1" noMove="1" noResize="1"/>
+          </p:cNvGrpSpPr>
+          <p:nvPr>
+            <p:extLst>
+              <p:ext uri="{386F3935-93C4-4BCD-93E2-E3B085C9AB24}">
+                <p16:designElem xmlns:p16="http://schemas.microsoft.com/office/powerpoint/2015/main" val="1"/>
+              </p:ext>
+            </p:extLst>
+          </p:nvPr>
+        </p:nvGrpSpPr>
+        <p:grpSpPr>
+          <a:xfrm>
+            <a:off x="9160561" y="1075188"/>
+            <a:ext cx="1562267" cy="1172973"/>
+            <a:chOff x="9160561" y="1075188"/>
+            <a:chExt cx="1562267" cy="1172973"/>
+          </a:xfrm>
+        </p:grpSpPr>
+        <p:sp>
+          <p:nvSpPr>
+            <p:cNvPr id="15" name="Freeform 5">
+              <a:extLst>
+                <a:ext uri="{FF2B5EF4-FFF2-40B4-BE49-F238E27FC236}">
+                  <a16:creationId xmlns:a16="http://schemas.microsoft.com/office/drawing/2014/main" id="{1B42538B-E30F-4967-A6C1-8EBA775F4D60}"/>
+                </a:ext>
+                <a:ext uri="{C183D7F6-B498-43B3-948B-1728B52AA6E4}">
+                  <adec:decorative xmlns:adec="http://schemas.microsoft.com/office/drawing/2017/decorative" val="1"/>
+                </a:ext>
+              </a:extLst>
+            </p:cNvPr>
+            <p:cNvSpPr>
+              <a:spLocks/>
+            </p:cNvSpPr>
+            <p:nvPr>
+              <p:extLst>
+                <p:ext uri="{386F3935-93C4-4BCD-93E2-E3B085C9AB24}">
+                  <p16:designElem xmlns:p16="http://schemas.microsoft.com/office/powerpoint/2015/main" val="1"/>
+                </p:ext>
+              </p:extLst>
+            </p:nvPr>
+          </p:nvSpPr>
+          <p:spPr bwMode="auto">
+            <a:xfrm>
+              <a:off x="9160561" y="1423846"/>
+              <a:ext cx="935037" cy="824315"/>
+            </a:xfrm>
+            <a:custGeom>
+              <a:avLst/>
+              <a:gdLst>
+                <a:gd name="T0" fmla="*/ 225 w 785"/>
+                <a:gd name="T1" fmla="*/ 692 h 692"/>
+                <a:gd name="T2" fmla="*/ 177 w 785"/>
+                <a:gd name="T3" fmla="*/ 665 h 692"/>
+                <a:gd name="T4" fmla="*/ 9 w 785"/>
+                <a:gd name="T5" fmla="*/ 374 h 692"/>
+                <a:gd name="T6" fmla="*/ 9 w 785"/>
+                <a:gd name="T7" fmla="*/ 318 h 692"/>
+                <a:gd name="T8" fmla="*/ 177 w 785"/>
+                <a:gd name="T9" fmla="*/ 27 h 692"/>
+                <a:gd name="T10" fmla="*/ 225 w 785"/>
+                <a:gd name="T11" fmla="*/ 0 h 692"/>
+                <a:gd name="T12" fmla="*/ 561 w 785"/>
+                <a:gd name="T13" fmla="*/ 0 h 692"/>
+                <a:gd name="T14" fmla="*/ 609 w 785"/>
+                <a:gd name="T15" fmla="*/ 27 h 692"/>
+                <a:gd name="T16" fmla="*/ 777 w 785"/>
+                <a:gd name="T17" fmla="*/ 318 h 692"/>
+                <a:gd name="T18" fmla="*/ 777 w 785"/>
+                <a:gd name="T19" fmla="*/ 374 h 692"/>
+                <a:gd name="T20" fmla="*/ 609 w 785"/>
+                <a:gd name="T21" fmla="*/ 665 h 692"/>
+                <a:gd name="T22" fmla="*/ 561 w 785"/>
+                <a:gd name="T23" fmla="*/ 692 h 692"/>
+                <a:gd name="T24" fmla="*/ 225 w 785"/>
+                <a:gd name="T25" fmla="*/ 692 h 692"/>
+              </a:gdLst>
+              <a:ahLst/>
+              <a:cxnLst>
+                <a:cxn ang="0">
+                  <a:pos x="T0" y="T1"/>
+                </a:cxn>
+                <a:cxn ang="0">
+                  <a:pos x="T2" y="T3"/>
+                </a:cxn>
+                <a:cxn ang="0">
+                  <a:pos x="T4" y="T5"/>
+                </a:cxn>
+                <a:cxn ang="0">
+                  <a:pos x="T6" y="T7"/>
+                </a:cxn>
+                <a:cxn ang="0">
+                  <a:pos x="T8" y="T9"/>
+                </a:cxn>
+                <a:cxn ang="0">
+                  <a:pos x="T10" y="T11"/>
+                </a:cxn>
+                <a:cxn ang="0">
+                  <a:pos x="T12" y="T13"/>
+                </a:cxn>
+                <a:cxn ang="0">
+                  <a:pos x="T14" y="T15"/>
+                </a:cxn>
+                <a:cxn ang="0">
+                  <a:pos x="T16" y="T17"/>
+                </a:cxn>
+                <a:cxn ang="0">
+                  <a:pos x="T18" y="T19"/>
+                </a:cxn>
+                <a:cxn ang="0">
+                  <a:pos x="T20" y="T21"/>
+                </a:cxn>
+                <a:cxn ang="0">
+                  <a:pos x="T22" y="T23"/>
+                </a:cxn>
+                <a:cxn ang="0">
+                  <a:pos x="T24" y="T25"/>
+                </a:cxn>
+              </a:cxnLst>
+              <a:rect l="0" t="0" r="r" b="b"/>
+              <a:pathLst>
+                <a:path w="785" h="692">
+                  <a:moveTo>
+                    <a:pt x="225" y="692"/>
+                  </a:moveTo>
+                  <a:cubicBezTo>
+                    <a:pt x="207" y="692"/>
+                    <a:pt x="185" y="680"/>
+                    <a:pt x="177" y="665"/>
+                  </a:cubicBezTo>
+                  <a:cubicBezTo>
+                    <a:pt x="9" y="374"/>
+                    <a:pt x="9" y="374"/>
+                    <a:pt x="9" y="374"/>
+                  </a:cubicBezTo>
+                  <a:cubicBezTo>
+                    <a:pt x="0" y="358"/>
+                    <a:pt x="0" y="334"/>
+                    <a:pt x="9" y="318"/>
+                  </a:cubicBezTo>
+                  <a:cubicBezTo>
+                    <a:pt x="177" y="27"/>
+                    <a:pt x="177" y="27"/>
+                    <a:pt x="177" y="27"/>
+                  </a:cubicBezTo>
+                  <a:cubicBezTo>
+                    <a:pt x="185" y="12"/>
+                    <a:pt x="207" y="0"/>
+                    <a:pt x="225" y="0"/>
+                  </a:cubicBezTo>
+                  <a:cubicBezTo>
+                    <a:pt x="561" y="0"/>
+                    <a:pt x="561" y="0"/>
+                    <a:pt x="561" y="0"/>
+                  </a:cubicBezTo>
+                  <a:cubicBezTo>
+                    <a:pt x="578" y="0"/>
+                    <a:pt x="600" y="12"/>
+                    <a:pt x="609" y="27"/>
+                  </a:cubicBezTo>
+                  <a:cubicBezTo>
+                    <a:pt x="777" y="318"/>
+                    <a:pt x="777" y="318"/>
+                    <a:pt x="777" y="318"/>
+                  </a:cubicBezTo>
+                  <a:cubicBezTo>
+                    <a:pt x="785" y="334"/>
+                    <a:pt x="785" y="358"/>
+                    <a:pt x="777" y="374"/>
+                  </a:cubicBezTo>
+                  <a:cubicBezTo>
+                    <a:pt x="609" y="665"/>
+                    <a:pt x="609" y="665"/>
+                    <a:pt x="609" y="665"/>
+                  </a:cubicBezTo>
+                  <a:cubicBezTo>
+                    <a:pt x="600" y="680"/>
+                    <a:pt x="578" y="692"/>
+                    <a:pt x="561" y="692"/>
+                  </a:cubicBezTo>
+                  <a:lnTo>
+                    <a:pt x="225" y="692"/>
+                  </a:lnTo>
+                  <a:close/>
+                </a:path>
+              </a:pathLst>
+            </a:custGeom>
+            <a:noFill/>
+            <a:ln w="28575" cmpd="sng">
+              <a:solidFill>
+                <a:schemeClr val="bg1"/>
+              </a:solidFill>
+            </a:ln>
+          </p:spPr>
+          <p:txBody>
+            <a:bodyPr vert="horz" wrap="square" lIns="91440" tIns="45720" rIns="91440" bIns="45720" numCol="1" anchor="t" anchorCtr="0" compatLnSpc="1">
+              <a:prstTxWarp prst="textNoShape">
+                <a:avLst/>
+              </a:prstTxWarp>
+            </a:bodyPr>
+            <a:lstStyle/>
+            <a:p>
+              <a:endParaRPr lang="en-US"/>
+            </a:p>
+          </p:txBody>
+        </p:sp>
+        <p:sp>
+          <p:nvSpPr>
+            <p:cNvPr id="16" name="Freeform 5">
+              <a:extLst>
+                <a:ext uri="{FF2B5EF4-FFF2-40B4-BE49-F238E27FC236}">
+                  <a16:creationId xmlns:a16="http://schemas.microsoft.com/office/drawing/2014/main" id="{9A6BD9AC-4DE7-4B20-8547-4E3B375C21F7}"/>
+                </a:ext>
+                <a:ext uri="{C183D7F6-B498-43B3-948B-1728B52AA6E4}">
+                  <adec:decorative xmlns:adec="http://schemas.microsoft.com/office/drawing/2017/decorative" val="1"/>
+                </a:ext>
+              </a:extLst>
+            </p:cNvPr>
+            <p:cNvSpPr>
+              <a:spLocks/>
+            </p:cNvSpPr>
+            <p:nvPr>
+              <p:extLst>
+                <p:ext uri="{386F3935-93C4-4BCD-93E2-E3B085C9AB24}">
+                  <p16:designElem xmlns:p16="http://schemas.microsoft.com/office/powerpoint/2015/main" val="1"/>
+                </p:ext>
+              </p:extLst>
+            </p:nvPr>
+          </p:nvSpPr>
+          <p:spPr bwMode="auto">
+            <a:xfrm>
+              <a:off x="9960661" y="1075188"/>
+              <a:ext cx="762167" cy="671915"/>
+            </a:xfrm>
+            <a:custGeom>
+              <a:avLst/>
+              <a:gdLst>
+                <a:gd name="T0" fmla="*/ 225 w 785"/>
+                <a:gd name="T1" fmla="*/ 692 h 692"/>
+                <a:gd name="T2" fmla="*/ 177 w 785"/>
+                <a:gd name="T3" fmla="*/ 665 h 692"/>
+                <a:gd name="T4" fmla="*/ 9 w 785"/>
+                <a:gd name="T5" fmla="*/ 374 h 692"/>
+                <a:gd name="T6" fmla="*/ 9 w 785"/>
+                <a:gd name="T7" fmla="*/ 318 h 692"/>
+                <a:gd name="T8" fmla="*/ 177 w 785"/>
+                <a:gd name="T9" fmla="*/ 27 h 692"/>
+                <a:gd name="T10" fmla="*/ 225 w 785"/>
+                <a:gd name="T11" fmla="*/ 0 h 692"/>
+                <a:gd name="T12" fmla="*/ 561 w 785"/>
+                <a:gd name="T13" fmla="*/ 0 h 692"/>
+                <a:gd name="T14" fmla="*/ 609 w 785"/>
+                <a:gd name="T15" fmla="*/ 27 h 692"/>
+                <a:gd name="T16" fmla="*/ 777 w 785"/>
+                <a:gd name="T17" fmla="*/ 318 h 692"/>
+                <a:gd name="T18" fmla="*/ 777 w 785"/>
+                <a:gd name="T19" fmla="*/ 374 h 692"/>
+                <a:gd name="T20" fmla="*/ 609 w 785"/>
+                <a:gd name="T21" fmla="*/ 665 h 692"/>
+                <a:gd name="T22" fmla="*/ 561 w 785"/>
+                <a:gd name="T23" fmla="*/ 692 h 692"/>
+                <a:gd name="T24" fmla="*/ 225 w 785"/>
+                <a:gd name="T25" fmla="*/ 692 h 692"/>
+              </a:gdLst>
+              <a:ahLst/>
+              <a:cxnLst>
+                <a:cxn ang="0">
+                  <a:pos x="T0" y="T1"/>
+                </a:cxn>
+                <a:cxn ang="0">
+                  <a:pos x="T2" y="T3"/>
+                </a:cxn>
+                <a:cxn ang="0">
+                  <a:pos x="T4" y="T5"/>
+                </a:cxn>
+                <a:cxn ang="0">
+                  <a:pos x="T6" y="T7"/>
+                </a:cxn>
+                <a:cxn ang="0">
+                  <a:pos x="T8" y="T9"/>
+                </a:cxn>
+                <a:cxn ang="0">
+                  <a:pos x="T10" y="T11"/>
+                </a:cxn>
+                <a:cxn ang="0">
+                  <a:pos x="T12" y="T13"/>
+                </a:cxn>
+                <a:cxn ang="0">
+                  <a:pos x="T14" y="T15"/>
+                </a:cxn>
+                <a:cxn ang="0">
+                  <a:pos x="T16" y="T17"/>
+                </a:cxn>
+                <a:cxn ang="0">
+                  <a:pos x="T18" y="T19"/>
+                </a:cxn>
+                <a:cxn ang="0">
+                  <a:pos x="T20" y="T21"/>
+                </a:cxn>
+                <a:cxn ang="0">
+                  <a:pos x="T22" y="T23"/>
+                </a:cxn>
+                <a:cxn ang="0">
+                  <a:pos x="T24" y="T25"/>
+                </a:cxn>
+              </a:cxnLst>
+              <a:rect l="0" t="0" r="r" b="b"/>
+              <a:pathLst>
+                <a:path w="785" h="692">
+                  <a:moveTo>
+                    <a:pt x="225" y="692"/>
+                  </a:moveTo>
+                  <a:cubicBezTo>
+                    <a:pt x="207" y="692"/>
+                    <a:pt x="185" y="680"/>
+                    <a:pt x="177" y="665"/>
+                  </a:cubicBezTo>
+                  <a:cubicBezTo>
+                    <a:pt x="9" y="374"/>
+                    <a:pt x="9" y="374"/>
+                    <a:pt x="9" y="374"/>
+                  </a:cubicBezTo>
+                  <a:cubicBezTo>
+                    <a:pt x="0" y="358"/>
+                    <a:pt x="0" y="334"/>
+                    <a:pt x="9" y="318"/>
+                  </a:cubicBezTo>
+                  <a:cubicBezTo>
+                    <a:pt x="177" y="27"/>
+                    <a:pt x="177" y="27"/>
+                    <a:pt x="177" y="27"/>
+                  </a:cubicBezTo>
+                  <a:cubicBezTo>
+                    <a:pt x="185" y="12"/>
+                    <a:pt x="207" y="0"/>
+                    <a:pt x="225" y="0"/>
+                  </a:cubicBezTo>
+                  <a:cubicBezTo>
+                    <a:pt x="561" y="0"/>
+                    <a:pt x="561" y="0"/>
+                    <a:pt x="561" y="0"/>
+                  </a:cubicBezTo>
+                  <a:cubicBezTo>
+                    <a:pt x="578" y="0"/>
+                    <a:pt x="600" y="12"/>
+                    <a:pt x="609" y="27"/>
+                  </a:cubicBezTo>
+                  <a:cubicBezTo>
+                    <a:pt x="777" y="318"/>
+                    <a:pt x="777" y="318"/>
+                    <a:pt x="777" y="318"/>
+                  </a:cubicBezTo>
+                  <a:cubicBezTo>
+                    <a:pt x="785" y="334"/>
+                    <a:pt x="785" y="358"/>
+                    <a:pt x="777" y="374"/>
+                  </a:cubicBezTo>
+                  <a:cubicBezTo>
+                    <a:pt x="609" y="665"/>
+                    <a:pt x="609" y="665"/>
+                    <a:pt x="609" y="665"/>
+                  </a:cubicBezTo>
+                  <a:cubicBezTo>
+                    <a:pt x="600" y="680"/>
+                    <a:pt x="578" y="692"/>
+                    <a:pt x="561" y="692"/>
+                  </a:cubicBezTo>
+                  <a:lnTo>
+                    <a:pt x="225" y="692"/>
+                  </a:lnTo>
+                  <a:close/>
+                </a:path>
+              </a:pathLst>
+            </a:custGeom>
+            <a:noFill/>
+            <a:ln w="28575" cmpd="sng">
+              <a:solidFill>
+                <a:schemeClr val="bg1"/>
+              </a:solidFill>
+            </a:ln>
+          </p:spPr>
+          <p:txBody>
+            <a:bodyPr vert="horz" wrap="square" lIns="91440" tIns="45720" rIns="91440" bIns="45720" numCol="1" anchor="t" anchorCtr="0" compatLnSpc="1">
+              <a:prstTxWarp prst="textNoShape">
+                <a:avLst/>
+              </a:prstTxWarp>
+            </a:bodyPr>
+            <a:lstStyle/>
+            <a:p>
+              <a:endParaRPr lang="en-US"/>
+            </a:p>
+          </p:txBody>
+        </p:sp>
+      </p:grpSp>
+      <p:pic>
+        <p:nvPicPr>
+          <p:cNvPr id="7" name="Obrázok 6">
+            <a:extLst>
+              <a:ext uri="{FF2B5EF4-FFF2-40B4-BE49-F238E27FC236}">
+                <a16:creationId xmlns:a16="http://schemas.microsoft.com/office/drawing/2014/main" id="{36D37F3E-9766-432C-8874-EBA2095B53F6}"/>
+              </a:ext>
+            </a:extLst>
+          </p:cNvPr>
+          <p:cNvPicPr>
+            <a:picLocks noChangeAspect="1"/>
+          </p:cNvPicPr>
+          <p:nvPr/>
+        </p:nvPicPr>
+        <p:blipFill>
+          <a:blip r:embed="rId3"/>
+          <a:stretch>
+            <a:fillRect/>
+          </a:stretch>
+        </p:blipFill>
+        <p:spPr>
+          <a:xfrm>
+            <a:off x="8112167" y="2757085"/>
+            <a:ext cx="3153888" cy="671915"/>
+          </a:xfrm>
+          <a:prstGeom prst="rect">
+            <a:avLst/>
+          </a:prstGeom>
+        </p:spPr>
+      </p:pic>
+      <p:sp>
+        <p:nvSpPr>
+          <p:cNvPr id="8" name="BlokTextu 7">
+            <a:extLst>
+              <a:ext uri="{FF2B5EF4-FFF2-40B4-BE49-F238E27FC236}">
+                <a16:creationId xmlns:a16="http://schemas.microsoft.com/office/drawing/2014/main" id="{5EDABC79-6B02-4346-BACF-2FCEF79283D5}"/>
+              </a:ext>
+            </a:extLst>
+          </p:cNvPr>
+          <p:cNvSpPr txBox="1"/>
+          <p:nvPr/>
+        </p:nvSpPr>
+        <p:spPr>
+          <a:xfrm>
+            <a:off x="8834549" y="4605393"/>
+            <a:ext cx="3357451" cy="1938992"/>
+          </a:xfrm>
+          <a:prstGeom prst="rect">
+            <a:avLst/>
+          </a:prstGeom>
+          <a:noFill/>
+        </p:spPr>
+        <p:txBody>
+          <a:bodyPr wrap="square" rtlCol="0">
+            <a:spAutoFit/>
+          </a:bodyPr>
+          <a:lstStyle/>
+          <a:p>
+            <a:r>
+              <a:rPr lang="sk-SK" sz="2000" dirty="0">
+                <a:solidFill>
+                  <a:schemeClr val="bg1"/>
+                </a:solidFill>
+              </a:rPr>
+              <a:t>Aktivačná funkcia </a:t>
+            </a:r>
+            <a:r>
+              <a:rPr lang="sk-SK" sz="2000" dirty="0" err="1">
+                <a:solidFill>
+                  <a:schemeClr val="bg1"/>
+                </a:solidFill>
+              </a:rPr>
+              <a:t>ReLU</a:t>
+            </a:r>
+            <a:endParaRPr lang="sk-SK" sz="2000" dirty="0">
+              <a:solidFill>
+                <a:schemeClr val="bg1"/>
+              </a:solidFill>
+            </a:endParaRPr>
+          </a:p>
+          <a:p>
+            <a:endParaRPr lang="sk-SK" sz="2000" dirty="0">
+              <a:solidFill>
+                <a:schemeClr val="bg1"/>
+              </a:solidFill>
+            </a:endParaRPr>
+          </a:p>
+          <a:p>
+            <a:r>
+              <a:rPr lang="sk-SK" sz="2000" dirty="0" err="1">
+                <a:solidFill>
+                  <a:schemeClr val="bg1"/>
+                </a:solidFill>
+              </a:rPr>
+              <a:t>Sigmoid</a:t>
+            </a:r>
+            <a:r>
+              <a:rPr lang="sk-SK" sz="2000" dirty="0">
+                <a:solidFill>
+                  <a:schemeClr val="bg1"/>
+                </a:solidFill>
+              </a:rPr>
+              <a:t> generuje pravdepodobnosť výsledku</a:t>
+            </a:r>
+          </a:p>
+          <a:p>
+            <a:endParaRPr lang="sk-SK" sz="2000" dirty="0"/>
+          </a:p>
+          <a:p>
+            <a:endParaRPr lang="sk-SK" sz="2000" dirty="0"/>
+          </a:p>
+        </p:txBody>
+      </p:sp>
+    </p:spTree>
+    <p:extLst>
+      <p:ext uri="{BB962C8B-B14F-4D97-AF65-F5344CB8AC3E}">
+        <p14:creationId xmlns:p14="http://schemas.microsoft.com/office/powerpoint/2010/main" val="4035151363"/>
+      </p:ext>
+    </p:extLst>
+  </p:cSld>
+  <p:clrMapOvr>
+    <a:masterClrMapping/>
+  </p:clrMapOvr>
+</p:sld>
+</file>
+
+<file path=ppt/slides/slide6.xml><?xml version="1.0" encoding="utf-8"?>
+<p:sld xmlns:a="http://schemas.openxmlformats.org/drawingml/2006/main" xmlns:r="http://schemas.openxmlformats.org/officeDocument/2006/relationships" xmlns:p="http://schemas.openxmlformats.org/presentationml/2006/main">
+  <p:cSld>
+    <p:bg>
+      <p:bgPr>
+        <a:solidFill>
+          <a:schemeClr val="bg1"/>
+        </a:solidFill>
+        <a:effectLst/>
+      </p:bgPr>
+    </p:bg>
+    <p:spTree>
+      <p:nvGrpSpPr>
+        <p:cNvPr id="1" name=""/>
+        <p:cNvGrpSpPr/>
+        <p:nvPr/>
+      </p:nvGrpSpPr>
+      <p:grpSpPr>
+        <a:xfrm>
+          <a:off x="0" y="0"/>
+          <a:ext cx="0" cy="0"/>
+          <a:chOff x="0" y="0"/>
+          <a:chExt cx="0" cy="0"/>
+        </a:xfrm>
+      </p:grpSpPr>
       <p:sp useBgFill="1">
         <p:nvSpPr>
           <p:cNvPr id="16" name="Rectangle 15">
@@ -6785,7 +8335,7 @@
         </p:nvSpPr>
         <p:spPr>
           <a:xfrm>
-            <a:off x="7989259" y="2399100"/>
+            <a:off x="1096305" y="1293682"/>
             <a:ext cx="3507415" cy="3645083"/>
           </a:xfrm>
         </p:spPr>
@@ -6795,7 +8345,16 @@
           </a:bodyPr>
           <a:lstStyle/>
           <a:p>
-            <a:endParaRPr lang="sk-SK" sz="2000" dirty="0"/>
+            <a:r>
+              <a:rPr lang="sk-SK" sz="2000" dirty="0"/>
+              <a:t>Aktuálna presnosť modelu 86%</a:t>
+            </a:r>
+          </a:p>
+          <a:p>
+            <a:r>
+              <a:rPr lang="sk-SK" sz="2000" dirty="0"/>
+              <a:t>Zobrazenie grafov</a:t>
+            </a:r>
           </a:p>
         </p:txBody>
       </p:sp>
@@ -6812,7 +8371,7 @@
 </p:sld>
 </file>
 
-<file path=ppt/slides/slide6.xml><?xml version="1.0" encoding="utf-8"?>
+<file path=ppt/slides/slide7.xml><?xml version="1.0" encoding="utf-8"?>
 <p:sld xmlns:a="http://schemas.openxmlformats.org/drawingml/2006/main" xmlns:r="http://schemas.openxmlformats.org/officeDocument/2006/relationships" xmlns:p="http://schemas.openxmlformats.org/presentationml/2006/main">
   <p:cSld>
     <p:bg>
@@ -7306,7 +8865,53 @@
           </a:bodyPr>
           <a:lstStyle/>
           <a:p>
-            <a:endParaRPr lang="sk-SK" sz="2000"/>
+            <a:r>
+              <a:rPr lang="sk-SK" sz="2000" dirty="0"/>
+              <a:t>Pri celkovej presnosti 86% </a:t>
+            </a:r>
+          </a:p>
+          <a:p>
+            <a:r>
+              <a:rPr lang="sk-SK" sz="2000" dirty="0" err="1"/>
+              <a:t>Heatmap</a:t>
+            </a:r>
+            <a:r>
+              <a:rPr lang="sk-SK" sz="2000" dirty="0"/>
+              <a:t> vyznačuje správne a nesprávne predikované dáta</a:t>
+            </a:r>
+          </a:p>
+          <a:p>
+            <a:pPr lvl="1"/>
+            <a:r>
+              <a:rPr lang="sk-SK" sz="1600" dirty="0"/>
+              <a:t>Pozícia [0] [0] označuje správne predikovaných zákazníkov, ktorí neopustia banku</a:t>
+            </a:r>
+          </a:p>
+          <a:p>
+            <a:pPr lvl="1"/>
+            <a:r>
+              <a:rPr lang="sk-SK" sz="1600" dirty="0"/>
+              <a:t>Pozícia [0] [1] označuje zle predikovaných zákazníkov, ktorí neopustia banku</a:t>
+            </a:r>
+          </a:p>
+          <a:p>
+            <a:pPr lvl="1"/>
+            <a:r>
+              <a:rPr lang="sk-SK" sz="1600" dirty="0"/>
+              <a:t>Pozícia [1] [0] sú dáta o zle predikovaných zákazníkoch a [1] [1] o správne predikovaných, ktorí opustia banku</a:t>
+            </a:r>
+          </a:p>
+          <a:p>
+            <a:r>
+              <a:rPr lang="sk-SK" sz="2000" dirty="0"/>
+              <a:t>F1-score je dôležitý parameter, ktorý hovorí o predikovaných dátach</a:t>
+            </a:r>
+          </a:p>
+          <a:p>
+            <a:r>
+              <a:rPr lang="sk-SK" sz="2000" dirty="0"/>
+              <a:t>Potrebné zlepšenie</a:t>
+            </a:r>
           </a:p>
         </p:txBody>
       </p:sp>
@@ -7383,7 +8988,7 @@
 </p:sld>
 </file>
 
-<file path=ppt/slides/slide7.xml><?xml version="1.0" encoding="utf-8"?>
+<file path=ppt/slides/slide8.xml><?xml version="1.0" encoding="utf-8"?>
 <p:sld xmlns:a="http://schemas.openxmlformats.org/drawingml/2006/main" xmlns:r="http://schemas.openxmlformats.org/officeDocument/2006/relationships" xmlns:p="http://schemas.openxmlformats.org/presentationml/2006/main">
   <p:cSld>
     <p:bg>
@@ -7560,8 +9165,8 @@
         </p:nvSpPr>
         <p:spPr>
           <a:xfrm>
-            <a:off x="966951" y="3355130"/>
-            <a:ext cx="2669407" cy="2427333"/>
+            <a:off x="966951" y="3705185"/>
+            <a:ext cx="3342509" cy="2550369"/>
           </a:xfrm>
         </p:spPr>
         <p:txBody>
@@ -7570,7 +9175,19 @@
           </a:bodyPr>
           <a:lstStyle/>
           <a:p>
-            <a:endParaRPr lang="sk-SK" sz="1600"/>
+            <a:r>
+              <a:rPr lang="sk-SK" sz="2000" dirty="0"/>
+              <a:t>Pri logistickej regresií dostávame taktiež zlé f1-score </a:t>
+            </a:r>
+          </a:p>
+          <a:p>
+            <a:r>
+              <a:rPr lang="sk-SK" sz="2000" dirty="0"/>
+              <a:t>Je to dôsledok nevyvážených dát.</a:t>
+            </a:r>
+          </a:p>
+          <a:p>
+            <a:endParaRPr lang="sk-SK" sz="1600" dirty="0"/>
           </a:p>
         </p:txBody>
       </p:sp>
@@ -7617,7 +9234,7 @@
 </p:sld>
 </file>
 
-<file path=ppt/slides/slide8.xml><?xml version="1.0" encoding="utf-8"?>
+<file path=ppt/slides/slide9.xml><?xml version="1.0" encoding="utf-8"?>
 <p:sld xmlns:a="http://schemas.openxmlformats.org/drawingml/2006/main" xmlns:r="http://schemas.openxmlformats.org/officeDocument/2006/relationships" xmlns:p="http://schemas.openxmlformats.org/presentationml/2006/main">
   <p:cSld>
     <p:bg>
@@ -7947,183 +9564,116 @@
           </a:prstGeom>
         </p:spPr>
       </p:pic>
-    </p:spTree>
-    <p:extLst>
-      <p:ext uri="{BB962C8B-B14F-4D97-AF65-F5344CB8AC3E}">
-        <p14:creationId xmlns:p14="http://schemas.microsoft.com/office/powerpoint/2010/main" val="353243172"/>
-      </p:ext>
-    </p:extLst>
-  </p:cSld>
-  <p:clrMapOvr>
-    <a:masterClrMapping/>
-  </p:clrMapOvr>
-</p:sld>
-</file>
-
-<file path=ppt/slides/slide9.xml><?xml version="1.0" encoding="utf-8"?>
-<p:sld xmlns:a="http://schemas.openxmlformats.org/drawingml/2006/main" xmlns:r="http://schemas.openxmlformats.org/officeDocument/2006/relationships" xmlns:p="http://schemas.openxmlformats.org/presentationml/2006/main">
-  <p:cSld>
-    <p:spTree>
-      <p:nvGrpSpPr>
-        <p:cNvPr id="1" name=""/>
-        <p:cNvGrpSpPr/>
-        <p:nvPr/>
-      </p:nvGrpSpPr>
-      <p:grpSpPr>
-        <a:xfrm>
-          <a:off x="0" y="0"/>
-          <a:ext cx="0" cy="0"/>
-          <a:chOff x="0" y="0"/>
-          <a:chExt cx="0" cy="0"/>
-        </a:xfrm>
-      </p:grpSpPr>
-      <p:sp>
-        <p:nvSpPr>
-          <p:cNvPr id="2" name="Nadpis 1">
-            <a:extLst>
-              <a:ext uri="{FF2B5EF4-FFF2-40B4-BE49-F238E27FC236}">
-                <a16:creationId xmlns:a16="http://schemas.microsoft.com/office/drawing/2014/main" id="{E947B26E-2551-4165-B5DD-06904217DBB5}"/>
-              </a:ext>
-            </a:extLst>
-          </p:cNvPr>
-          <p:cNvSpPr>
-            <a:spLocks noGrp="1"/>
-          </p:cNvSpPr>
-          <p:nvPr>
-            <p:ph type="title"/>
-          </p:nvPr>
-        </p:nvSpPr>
-        <p:spPr/>
-        <p:txBody>
-          <a:bodyPr/>
+      <p:sp>
+        <p:nvSpPr>
+          <p:cNvPr id="11" name="BlokTextu 10">
+            <a:extLst>
+              <a:ext uri="{FF2B5EF4-FFF2-40B4-BE49-F238E27FC236}">
+                <a16:creationId xmlns:a16="http://schemas.microsoft.com/office/drawing/2014/main" id="{418DB3AF-049C-4F5A-B6BF-4AD12D0B30FE}"/>
+              </a:ext>
+            </a:extLst>
+          </p:cNvPr>
+          <p:cNvSpPr txBox="1"/>
+          <p:nvPr/>
+        </p:nvSpPr>
+        <p:spPr>
+          <a:xfrm>
+            <a:off x="435622" y="4835926"/>
+            <a:ext cx="6315960" cy="707886"/>
+          </a:xfrm>
+          <a:prstGeom prst="rect">
+            <a:avLst/>
+          </a:prstGeom>
+          <a:noFill/>
+        </p:spPr>
+        <p:txBody>
+          <a:bodyPr wrap="square">
+            <a:spAutoFit/>
+          </a:bodyPr>
           <a:lstStyle/>
           <a:p>
-            <a:r>
-              <a:rPr lang="sk-SK" dirty="0"/>
-              <a:t>Nové výsledky</a:t>
-            </a:r>
-          </a:p>
-        </p:txBody>
-      </p:sp>
-      <p:sp>
-        <p:nvSpPr>
-          <p:cNvPr id="3" name="Zástupný objekt pre obsah 2">
-            <a:extLst>
-              <a:ext uri="{FF2B5EF4-FFF2-40B4-BE49-F238E27FC236}">
-                <a16:creationId xmlns:a16="http://schemas.microsoft.com/office/drawing/2014/main" id="{A93F5BE1-15E0-48C3-8DD3-266D8DC252E9}"/>
-              </a:ext>
-            </a:extLst>
-          </p:cNvPr>
-          <p:cNvSpPr>
-            <a:spLocks noGrp="1"/>
-          </p:cNvSpPr>
-          <p:nvPr>
-            <p:ph idx="1"/>
-          </p:nvPr>
-        </p:nvSpPr>
-        <p:spPr/>
-        <p:txBody>
-          <a:bodyPr/>
-          <a:lstStyle/>
-          <a:p>
-            <a:endParaRPr lang="sk-SK"/>
+            <a:pPr marL="285750" indent="-285750">
+              <a:buFont typeface="Arial" panose="020B0604020202020204" pitchFamily="34" charset="0"/>
+              <a:buChar char="•"/>
+            </a:pPr>
+            <a:r>
+              <a:rPr lang="sk-SK" sz="2000" dirty="0"/>
+              <a:t>Princíp </a:t>
+            </a:r>
+            <a:r>
+              <a:rPr lang="sk-SK" sz="2000" dirty="0" err="1"/>
+              <a:t>smote</a:t>
+            </a:r>
+            <a:endParaRPr lang="sk-SK" sz="2000" dirty="0"/>
+          </a:p>
+          <a:p>
+            <a:pPr marL="285750" indent="-285750">
+              <a:buFont typeface="Arial" panose="020B0604020202020204" pitchFamily="34" charset="0"/>
+              <a:buChar char="•"/>
+            </a:pPr>
+            <a:r>
+              <a:rPr lang="sk-SK" sz="2000" dirty="0"/>
+              <a:t>Znovurozdelenie dát na testovacie a </a:t>
+            </a:r>
+            <a:r>
+              <a:rPr lang="sk-SK" sz="2000" dirty="0" err="1"/>
+              <a:t>trénovacie</a:t>
+            </a:r>
+            <a:endParaRPr lang="sk-SK" sz="2000" dirty="0"/>
           </a:p>
         </p:txBody>
       </p:sp>
       <p:pic>
         <p:nvPicPr>
-          <p:cNvPr id="5" name="Obrázok 4">
-            <a:extLst>
-              <a:ext uri="{FF2B5EF4-FFF2-40B4-BE49-F238E27FC236}">
-                <a16:creationId xmlns:a16="http://schemas.microsoft.com/office/drawing/2014/main" id="{88E0B300-09B3-4059-A376-984F50D9A78E}"/>
+          <p:cNvPr id="1026" name="Picture 2" descr="Bank Data: SMOTE. This will be a short post before we… | by Zaki Jefferson  | Analytics Vidhya | Medium">
+            <a:extLst>
+              <a:ext uri="{FF2B5EF4-FFF2-40B4-BE49-F238E27FC236}">
+                <a16:creationId xmlns:a16="http://schemas.microsoft.com/office/drawing/2014/main" id="{3EAEA5BC-0633-4B93-98CA-1130FFDFD3A5}"/>
               </a:ext>
             </a:extLst>
           </p:cNvPr>
           <p:cNvPicPr>
-            <a:picLocks noChangeAspect="1"/>
+            <a:picLocks noChangeAspect="1" noChangeArrowheads="1"/>
           </p:cNvPicPr>
           <p:nvPr/>
         </p:nvPicPr>
         <p:blipFill>
-          <a:blip r:embed="rId2"/>
+          <a:blip r:embed="rId3">
+            <a:extLst>
+              <a:ext uri="{28A0092B-C50C-407E-A947-70E740481C1C}">
+                <a14:useLocalDpi xmlns:a14="http://schemas.microsoft.com/office/drawing/2010/main" val="0"/>
+              </a:ext>
+            </a:extLst>
+          </a:blip>
+          <a:srcRect/>
           <a:stretch>
             <a:fillRect/>
           </a:stretch>
         </p:blipFill>
-        <p:spPr>
+        <p:spPr bwMode="auto">
           <a:xfrm>
-            <a:off x="5197566" y="1027906"/>
-            <a:ext cx="6492583" cy="2243614"/>
+            <a:off x="5904218" y="4078676"/>
+            <a:ext cx="5852160" cy="2599182"/>
           </a:xfrm>
           <a:prstGeom prst="rect">
             <a:avLst/>
           </a:prstGeom>
-        </p:spPr>
-      </p:pic>
-      <p:pic>
-        <p:nvPicPr>
-          <p:cNvPr id="7" name="Obrázok 6">
-            <a:extLst>
-              <a:ext uri="{FF2B5EF4-FFF2-40B4-BE49-F238E27FC236}">
-                <a16:creationId xmlns:a16="http://schemas.microsoft.com/office/drawing/2014/main" id="{42E9D9F7-0F0D-4F67-A622-5762E755AB0C}"/>
-              </a:ext>
-            </a:extLst>
-          </p:cNvPr>
-          <p:cNvPicPr>
-            <a:picLocks noChangeAspect="1"/>
-          </p:cNvPicPr>
-          <p:nvPr/>
-        </p:nvPicPr>
-        <p:blipFill>
-          <a:blip r:embed="rId3"/>
-          <a:stretch>
-            <a:fillRect/>
-          </a:stretch>
-        </p:blipFill>
-        <p:spPr>
-          <a:xfrm>
-            <a:off x="411622" y="3758064"/>
-            <a:ext cx="11612596" cy="352474"/>
-          </a:xfrm>
-          <a:prstGeom prst="rect">
-            <a:avLst/>
-          </a:prstGeom>
-        </p:spPr>
-      </p:pic>
-      <p:pic>
-        <p:nvPicPr>
-          <p:cNvPr id="9" name="Obrázok 8">
-            <a:extLst>
-              <a:ext uri="{FF2B5EF4-FFF2-40B4-BE49-F238E27FC236}">
-                <a16:creationId xmlns:a16="http://schemas.microsoft.com/office/drawing/2014/main" id="{EE92740F-9C44-4EED-8F9A-7DDDB39F65FB}"/>
-              </a:ext>
-            </a:extLst>
-          </p:cNvPr>
-          <p:cNvPicPr>
-            <a:picLocks noChangeAspect="1"/>
-          </p:cNvPicPr>
-          <p:nvPr/>
-        </p:nvPicPr>
-        <p:blipFill>
-          <a:blip r:embed="rId4"/>
-          <a:stretch>
-            <a:fillRect/>
-          </a:stretch>
-        </p:blipFill>
-        <p:spPr>
-          <a:xfrm>
-            <a:off x="838200" y="4543591"/>
-            <a:ext cx="10278909" cy="1200318"/>
-          </a:xfrm>
-          <a:prstGeom prst="rect">
-            <a:avLst/>
-          </a:prstGeom>
+          <a:noFill/>
+          <a:extLst>
+            <a:ext uri="{909E8E84-426E-40DD-AFC4-6F175D3DCCD1}">
+              <a14:hiddenFill xmlns:a14="http://schemas.microsoft.com/office/drawing/2010/main">
+                <a:solidFill>
+                  <a:srgbClr val="FFFFFF"/>
+                </a:solidFill>
+              </a14:hiddenFill>
+            </a:ext>
+          </a:extLst>
         </p:spPr>
       </p:pic>
     </p:spTree>
     <p:extLst>
       <p:ext uri="{BB962C8B-B14F-4D97-AF65-F5344CB8AC3E}">
-        <p14:creationId xmlns:p14="http://schemas.microsoft.com/office/powerpoint/2010/main" val="1643361702"/>
+        <p14:creationId xmlns:p14="http://schemas.microsoft.com/office/powerpoint/2010/main" val="353243172"/>
       </p:ext>
     </p:extLst>
   </p:cSld>
